--- a/door.pptx
+++ b/door.pptx
@@ -16,6 +16,8 @@
     <p:sldId id="265" r:id="rId10"/>
     <p:sldId id="267" r:id="rId11"/>
     <p:sldId id="268" r:id="rId12"/>
+    <p:sldId id="269" r:id="rId13"/>
+    <p:sldId id="270" r:id="rId14"/>
   </p:sldIdLst>
   <p:sldSz cx="12192000" cy="6858000"/>
   <p:notesSz cx="6858000" cy="9144000"/>
@@ -136,6 +138,7 @@
 <file path=ppt/revisionInfo.xml><?xml version="1.0" encoding="utf-8"?>
 <p1510:revInfo xmlns:a="http://schemas.openxmlformats.org/drawingml/2006/main" xmlns:r="http://schemas.openxmlformats.org/officeDocument/2006/relationships" xmlns:p1510="http://schemas.microsoft.com/office/powerpoint/2015/10/main">
   <p1510:revLst>
+    <p1510:client id="{95571768-B3B2-4CA0-9B0C-B7519BC405CA}" v="21" dt="2020-05-26T19:00:16.061"/>
     <p1510:client id="{FC623565-78C6-4E77-B925-9CAF1F69D192}" v="271" dt="2020-05-26T12:00:14.520"/>
   </p1510:revLst>
 </p1510:revInfo>
@@ -403,6 +406,69 @@
       </pc:sldChg>
     </pc:docChg>
   </pc:docChgLst>
+  <pc:docChgLst>
+    <pc:chgData name="Jannie fish 芳伃" userId="d4d77dfab1ac94ce" providerId="LiveId" clId="{95571768-B3B2-4CA0-9B0C-B7519BC405CA}"/>
+    <pc:docChg chg="custSel addSld modSld">
+      <pc:chgData name="Jannie fish 芳伃" userId="d4d77dfab1ac94ce" providerId="LiveId" clId="{95571768-B3B2-4CA0-9B0C-B7519BC405CA}" dt="2020-05-26T19:00:42.914" v="59" actId="732"/>
+      <pc:docMkLst>
+        <pc:docMk/>
+      </pc:docMkLst>
+      <pc:sldChg chg="addSp delSp modSp new mod">
+        <pc:chgData name="Jannie fish 芳伃" userId="d4d77dfab1ac94ce" providerId="LiveId" clId="{95571768-B3B2-4CA0-9B0C-B7519BC405CA}" dt="2020-05-26T18:45:08.588" v="30" actId="1076"/>
+        <pc:sldMkLst>
+          <pc:docMk/>
+          <pc:sldMk cId="3598626907" sldId="269"/>
+        </pc:sldMkLst>
+        <pc:picChg chg="add del mod">
+          <ac:chgData name="Jannie fish 芳伃" userId="d4d77dfab1ac94ce" providerId="LiveId" clId="{95571768-B3B2-4CA0-9B0C-B7519BC405CA}" dt="2020-05-26T18:42:05.288" v="7" actId="478"/>
+          <ac:picMkLst>
+            <pc:docMk/>
+            <pc:sldMk cId="3598626907" sldId="269"/>
+            <ac:picMk id="3" creationId="{532D2D84-2FBB-4090-8FBC-2908E19B35DE}"/>
+          </ac:picMkLst>
+        </pc:picChg>
+        <pc:picChg chg="add mod ord modCrop">
+          <ac:chgData name="Jannie fish 芳伃" userId="d4d77dfab1ac94ce" providerId="LiveId" clId="{95571768-B3B2-4CA0-9B0C-B7519BC405CA}" dt="2020-05-26T18:45:08.588" v="30" actId="1076"/>
+          <ac:picMkLst>
+            <pc:docMk/>
+            <pc:sldMk cId="3598626907" sldId="269"/>
+            <ac:picMk id="5" creationId="{0ED4A26B-4C0E-433D-99D0-5C143E62CC4F}"/>
+          </ac:picMkLst>
+        </pc:picChg>
+        <pc:picChg chg="add mod">
+          <ac:chgData name="Jannie fish 芳伃" userId="d4d77dfab1ac94ce" providerId="LiveId" clId="{95571768-B3B2-4CA0-9B0C-B7519BC405CA}" dt="2020-05-26T18:44:29.061" v="19" actId="1076"/>
+          <ac:picMkLst>
+            <pc:docMk/>
+            <pc:sldMk cId="3598626907" sldId="269"/>
+            <ac:picMk id="6" creationId="{3B2E8BC9-10C1-4582-BCB2-65857ED549A1}"/>
+          </ac:picMkLst>
+        </pc:picChg>
+      </pc:sldChg>
+      <pc:sldChg chg="addSp delSp modSp new mod">
+        <pc:chgData name="Jannie fish 芳伃" userId="d4d77dfab1ac94ce" providerId="LiveId" clId="{95571768-B3B2-4CA0-9B0C-B7519BC405CA}" dt="2020-05-26T19:00:42.914" v="59" actId="732"/>
+        <pc:sldMkLst>
+          <pc:docMk/>
+          <pc:sldMk cId="1652099315" sldId="270"/>
+        </pc:sldMkLst>
+        <pc:picChg chg="add mod modCrop">
+          <ac:chgData name="Jannie fish 芳伃" userId="d4d77dfab1ac94ce" providerId="LiveId" clId="{95571768-B3B2-4CA0-9B0C-B7519BC405CA}" dt="2020-05-26T19:00:42.914" v="59" actId="732"/>
+          <ac:picMkLst>
+            <pc:docMk/>
+            <pc:sldMk cId="1652099315" sldId="270"/>
+            <ac:picMk id="3" creationId="{780600D8-AA95-410D-8690-70CC421A859D}"/>
+          </ac:picMkLst>
+        </pc:picChg>
+        <pc:picChg chg="add del mod modCrop">
+          <ac:chgData name="Jannie fish 芳伃" userId="d4d77dfab1ac94ce" providerId="LiveId" clId="{95571768-B3B2-4CA0-9B0C-B7519BC405CA}" dt="2020-05-26T18:48:43.122" v="51" actId="478"/>
+          <ac:picMkLst>
+            <pc:docMk/>
+            <pc:sldMk cId="1652099315" sldId="270"/>
+            <ac:picMk id="3" creationId="{F63DAD49-1228-44E1-A7AC-7932E9E0F60F}"/>
+          </ac:picMkLst>
+        </pc:picChg>
+      </pc:sldChg>
+    </pc:docChg>
+  </pc:docChgLst>
 </pc:chgInfo>
 </file>
 
@@ -553,7 +619,7 @@
           <a:p>
             <a:fld id="{AAC52E04-AF67-4D32-B733-83572E0CE61D}" type="datetimeFigureOut">
               <a:rPr lang="zh-TW" altLang="en-US" smtClean="0"/>
-              <a:t>2020/5/26</a:t>
+              <a:t>2020/5/27</a:t>
             </a:fld>
             <a:endParaRPr lang="zh-TW" altLang="en-US"/>
           </a:p>
@@ -751,7 +817,7 @@
           <a:p>
             <a:fld id="{AAC52E04-AF67-4D32-B733-83572E0CE61D}" type="datetimeFigureOut">
               <a:rPr lang="zh-TW" altLang="en-US" smtClean="0"/>
-              <a:t>2020/5/26</a:t>
+              <a:t>2020/5/27</a:t>
             </a:fld>
             <a:endParaRPr lang="zh-TW" altLang="en-US"/>
           </a:p>
@@ -959,7 +1025,7 @@
           <a:p>
             <a:fld id="{AAC52E04-AF67-4D32-B733-83572E0CE61D}" type="datetimeFigureOut">
               <a:rPr lang="zh-TW" altLang="en-US" smtClean="0"/>
-              <a:t>2020/5/26</a:t>
+              <a:t>2020/5/27</a:t>
             </a:fld>
             <a:endParaRPr lang="zh-TW" altLang="en-US"/>
           </a:p>
@@ -1157,7 +1223,7 @@
           <a:p>
             <a:fld id="{AAC52E04-AF67-4D32-B733-83572E0CE61D}" type="datetimeFigureOut">
               <a:rPr lang="zh-TW" altLang="en-US" smtClean="0"/>
-              <a:t>2020/5/26</a:t>
+              <a:t>2020/5/27</a:t>
             </a:fld>
             <a:endParaRPr lang="zh-TW" altLang="en-US"/>
           </a:p>
@@ -1432,7 +1498,7 @@
           <a:p>
             <a:fld id="{AAC52E04-AF67-4D32-B733-83572E0CE61D}" type="datetimeFigureOut">
               <a:rPr lang="zh-TW" altLang="en-US" smtClean="0"/>
-              <a:t>2020/5/26</a:t>
+              <a:t>2020/5/27</a:t>
             </a:fld>
             <a:endParaRPr lang="zh-TW" altLang="en-US"/>
           </a:p>
@@ -1697,7 +1763,7 @@
           <a:p>
             <a:fld id="{AAC52E04-AF67-4D32-B733-83572E0CE61D}" type="datetimeFigureOut">
               <a:rPr lang="zh-TW" altLang="en-US" smtClean="0"/>
-              <a:t>2020/5/26</a:t>
+              <a:t>2020/5/27</a:t>
             </a:fld>
             <a:endParaRPr lang="zh-TW" altLang="en-US"/>
           </a:p>
@@ -2109,7 +2175,7 @@
           <a:p>
             <a:fld id="{AAC52E04-AF67-4D32-B733-83572E0CE61D}" type="datetimeFigureOut">
               <a:rPr lang="zh-TW" altLang="en-US" smtClean="0"/>
-              <a:t>2020/5/26</a:t>
+              <a:t>2020/5/27</a:t>
             </a:fld>
             <a:endParaRPr lang="zh-TW" altLang="en-US"/>
           </a:p>
@@ -2250,7 +2316,7 @@
           <a:p>
             <a:fld id="{AAC52E04-AF67-4D32-B733-83572E0CE61D}" type="datetimeFigureOut">
               <a:rPr lang="zh-TW" altLang="en-US" smtClean="0"/>
-              <a:t>2020/5/26</a:t>
+              <a:t>2020/5/27</a:t>
             </a:fld>
             <a:endParaRPr lang="zh-TW" altLang="en-US"/>
           </a:p>
@@ -2363,7 +2429,7 @@
           <a:p>
             <a:fld id="{AAC52E04-AF67-4D32-B733-83572E0CE61D}" type="datetimeFigureOut">
               <a:rPr lang="zh-TW" altLang="en-US" smtClean="0"/>
-              <a:t>2020/5/26</a:t>
+              <a:t>2020/5/27</a:t>
             </a:fld>
             <a:endParaRPr lang="zh-TW" altLang="en-US"/>
           </a:p>
@@ -2674,7 +2740,7 @@
           <a:p>
             <a:fld id="{AAC52E04-AF67-4D32-B733-83572E0CE61D}" type="datetimeFigureOut">
               <a:rPr lang="zh-TW" altLang="en-US" smtClean="0"/>
-              <a:t>2020/5/26</a:t>
+              <a:t>2020/5/27</a:t>
             </a:fld>
             <a:endParaRPr lang="zh-TW" altLang="en-US"/>
           </a:p>
@@ -2962,7 +3028,7 @@
           <a:p>
             <a:fld id="{AAC52E04-AF67-4D32-B733-83572E0CE61D}" type="datetimeFigureOut">
               <a:rPr lang="zh-TW" altLang="en-US" smtClean="0"/>
-              <a:t>2020/5/26</a:t>
+              <a:t>2020/5/27</a:t>
             </a:fld>
             <a:endParaRPr lang="zh-TW" altLang="en-US"/>
           </a:p>
@@ -3203,7 +3269,7 @@
           <a:p>
             <a:fld id="{AAC52E04-AF67-4D32-B733-83572E0CE61D}" type="datetimeFigureOut">
               <a:rPr lang="zh-TW" altLang="en-US" smtClean="0"/>
-              <a:t>2020/5/26</a:t>
+              <a:t>2020/5/27</a:t>
             </a:fld>
             <a:endParaRPr lang="zh-TW" altLang="en-US"/>
           </a:p>
@@ -3827,6 +3893,200 @@
 </p:sld>
 </file>
 
+<file path=ppt/slides/slide12.xml><?xml version="1.0" encoding="utf-8"?>
+<p:sld xmlns:a="http://schemas.openxmlformats.org/drawingml/2006/main" xmlns:r="http://schemas.openxmlformats.org/officeDocument/2006/relationships" xmlns:p="http://schemas.openxmlformats.org/presentationml/2006/main">
+  <p:cSld>
+    <p:spTree>
+      <p:nvGrpSpPr>
+        <p:cNvPr id="1" name=""/>
+        <p:cNvGrpSpPr/>
+        <p:nvPr/>
+      </p:nvGrpSpPr>
+      <p:grpSpPr>
+        <a:xfrm>
+          <a:off x="0" y="0"/>
+          <a:ext cx="0" cy="0"/>
+          <a:chOff x="0" y="0"/>
+          <a:chExt cx="0" cy="0"/>
+        </a:xfrm>
+      </p:grpSpPr>
+      <p:pic>
+        <p:nvPicPr>
+          <p:cNvPr id="6" name="圖片 5" descr="一張含有 鏡, 盤 的圖片&#10;&#10;自動產生的描述">
+            <a:extLst>
+              <a:ext uri="{FF2B5EF4-FFF2-40B4-BE49-F238E27FC236}">
+                <a16:creationId xmlns:a16="http://schemas.microsoft.com/office/drawing/2014/main" id="{3B2E8BC9-10C1-4582-BCB2-65857ED549A1}"/>
+              </a:ext>
+            </a:extLst>
+          </p:cNvPr>
+          <p:cNvPicPr>
+            <a:picLocks noChangeAspect="1"/>
+          </p:cNvPicPr>
+          <p:nvPr/>
+        </p:nvPicPr>
+        <p:blipFill>
+          <a:blip r:embed="rId2">
+            <a:clrChange>
+              <a:clrFrom>
+                <a:srgbClr val="F6F6F6"/>
+              </a:clrFrom>
+              <a:clrTo>
+                <a:srgbClr val="F6F6F6">
+                  <a:alpha val="0"/>
+                </a:srgbClr>
+              </a:clrTo>
+            </a:clrChange>
+            <a:extLst>
+              <a:ext uri="{28A0092B-C50C-407E-A947-70E740481C1C}">
+                <a14:useLocalDpi xmlns:a14="http://schemas.microsoft.com/office/drawing/2010/main" val="0"/>
+              </a:ext>
+            </a:extLst>
+          </a:blip>
+          <a:stretch>
+            <a:fillRect/>
+          </a:stretch>
+        </p:blipFill>
+        <p:spPr>
+          <a:xfrm>
+            <a:off x="5350329" y="1426029"/>
+            <a:ext cx="3842658" cy="3842658"/>
+          </a:xfrm>
+          <a:prstGeom prst="rect">
+            <a:avLst/>
+          </a:prstGeom>
+        </p:spPr>
+      </p:pic>
+      <p:pic>
+        <p:nvPicPr>
+          <p:cNvPr id="5" name="圖片 4" descr="一張含有 遊戲 的圖片&#10;&#10;自動產生的描述">
+            <a:extLst>
+              <a:ext uri="{FF2B5EF4-FFF2-40B4-BE49-F238E27FC236}">
+                <a16:creationId xmlns:a16="http://schemas.microsoft.com/office/drawing/2014/main" id="{0ED4A26B-4C0E-433D-99D0-5C143E62CC4F}"/>
+              </a:ext>
+            </a:extLst>
+          </p:cNvPr>
+          <p:cNvPicPr>
+            <a:picLocks noChangeAspect="1"/>
+          </p:cNvPicPr>
+          <p:nvPr/>
+        </p:nvPicPr>
+        <p:blipFill rotWithShape="1">
+          <a:blip r:embed="rId3">
+            <a:extLst>
+              <a:ext uri="{BEBA8EAE-BF5A-486C-A8C5-ECC9F3942E4B}">
+                <a14:imgProps xmlns:a14="http://schemas.microsoft.com/office/drawing/2010/main">
+                  <a14:imgLayer r:embed="rId4">
+                    <a14:imgEffect>
+                      <a14:backgroundRemoval t="10000" b="90000" l="10000" r="90000"/>
+                    </a14:imgEffect>
+                  </a14:imgLayer>
+                </a14:imgProps>
+              </a:ext>
+              <a:ext uri="{28A0092B-C50C-407E-A947-70E740481C1C}">
+                <a14:useLocalDpi xmlns:a14="http://schemas.microsoft.com/office/drawing/2010/main" val="0"/>
+              </a:ext>
+            </a:extLst>
+          </a:blip>
+          <a:srcRect l="8395" t="7938" r="7023" b="8624"/>
+          <a:stretch/>
+        </p:blipFill>
+        <p:spPr>
+          <a:xfrm>
+            <a:off x="998763" y="1374138"/>
+            <a:ext cx="4000500" cy="3946439"/>
+          </a:xfrm>
+          <a:prstGeom prst="rect">
+            <a:avLst/>
+          </a:prstGeom>
+        </p:spPr>
+      </p:pic>
+    </p:spTree>
+    <p:extLst>
+      <p:ext uri="{BB962C8B-B14F-4D97-AF65-F5344CB8AC3E}">
+        <p14:creationId xmlns:p14="http://schemas.microsoft.com/office/powerpoint/2010/main" val="3598626907"/>
+      </p:ext>
+    </p:extLst>
+  </p:cSld>
+  <p:clrMapOvr>
+    <a:masterClrMapping/>
+  </p:clrMapOvr>
+</p:sld>
+</file>
+
+<file path=ppt/slides/slide13.xml><?xml version="1.0" encoding="utf-8"?>
+<p:sld xmlns:a="http://schemas.openxmlformats.org/drawingml/2006/main" xmlns:r="http://schemas.openxmlformats.org/officeDocument/2006/relationships" xmlns:p="http://schemas.openxmlformats.org/presentationml/2006/main">
+  <p:cSld>
+    <p:spTree>
+      <p:nvGrpSpPr>
+        <p:cNvPr id="1" name=""/>
+        <p:cNvGrpSpPr/>
+        <p:nvPr/>
+      </p:nvGrpSpPr>
+      <p:grpSpPr>
+        <a:xfrm>
+          <a:off x="0" y="0"/>
+          <a:ext cx="0" cy="0"/>
+          <a:chOff x="0" y="0"/>
+          <a:chExt cx="0" cy="0"/>
+        </a:xfrm>
+      </p:grpSpPr>
+      <p:pic>
+        <p:nvPicPr>
+          <p:cNvPr id="3" name="圖片 2" descr="一張含有 遊戲 的圖片&#10;&#10;自動產生的描述">
+            <a:extLst>
+              <a:ext uri="{FF2B5EF4-FFF2-40B4-BE49-F238E27FC236}">
+                <a16:creationId xmlns:a16="http://schemas.microsoft.com/office/drawing/2014/main" id="{780600D8-AA95-410D-8690-70CC421A859D}"/>
+              </a:ext>
+            </a:extLst>
+          </p:cNvPr>
+          <p:cNvPicPr>
+            <a:picLocks noChangeAspect="1"/>
+          </p:cNvPicPr>
+          <p:nvPr/>
+        </p:nvPicPr>
+        <p:blipFill rotWithShape="1">
+          <a:blip r:embed="rId2">
+            <a:extLst>
+              <a:ext uri="{BEBA8EAE-BF5A-486C-A8C5-ECC9F3942E4B}">
+                <a14:imgProps xmlns:a14="http://schemas.microsoft.com/office/drawing/2010/main">
+                  <a14:imgLayer r:embed="rId3">
+                    <a14:imgEffect>
+                      <a14:backgroundRemoval t="10000" b="90000" l="10000" r="90000"/>
+                    </a14:imgEffect>
+                  </a14:imgLayer>
+                </a14:imgProps>
+              </a:ext>
+              <a:ext uri="{28A0092B-C50C-407E-A947-70E740481C1C}">
+                <a14:useLocalDpi xmlns:a14="http://schemas.microsoft.com/office/drawing/2010/main" val="0"/>
+              </a:ext>
+            </a:extLst>
+          </a:blip>
+          <a:srcRect l="15396" t="15396" r="12541" b="14762"/>
+          <a:stretch/>
+        </p:blipFill>
+        <p:spPr>
+          <a:xfrm>
+            <a:off x="4909456" y="2242457"/>
+            <a:ext cx="2471057" cy="2394858"/>
+          </a:xfrm>
+          <a:prstGeom prst="rect">
+            <a:avLst/>
+          </a:prstGeom>
+        </p:spPr>
+      </p:pic>
+    </p:spTree>
+    <p:extLst>
+      <p:ext uri="{BB962C8B-B14F-4D97-AF65-F5344CB8AC3E}">
+        <p14:creationId xmlns:p14="http://schemas.microsoft.com/office/powerpoint/2010/main" val="1652099315"/>
+      </p:ext>
+    </p:extLst>
+  </p:cSld>
+  <p:clrMapOvr>
+    <a:masterClrMapping/>
+  </p:clrMapOvr>
+</p:sld>
+</file>
+
 <file path=ppt/slides/slide2.xml><?xml version="1.0" encoding="utf-8"?>
 <p:sld xmlns:a="http://schemas.openxmlformats.org/drawingml/2006/main" xmlns:r="http://schemas.openxmlformats.org/officeDocument/2006/relationships" xmlns:p="http://schemas.openxmlformats.org/presentationml/2006/main">
   <p:cSld>
